--- a/Blue Modern Data Analysis Presentation.pptx
+++ b/Blue Modern Data Analysis Presentation.pptx
@@ -1,31 +1,30 @@
 
 <file path=ppt/presentation.xml><?xml version="1.0" encoding="utf-8"?>
-<p:presentation xmlns:a="http://schemas.openxmlformats.org/drawingml/2006/main" xmlns:r="http://schemas.openxmlformats.org/officeDocument/2006/relationships" xmlns:p="http://schemas.openxmlformats.org/presentationml/2006/main" saveSubsetFonts="1" embedTrueTypeFonts="true">
+<p:presentation xmlns:a="http://schemas.openxmlformats.org/drawingml/2006/main" xmlns:r="http://schemas.openxmlformats.org/officeDocument/2006/relationships" xmlns:p="http://schemas.openxmlformats.org/presentationml/2006/main" embedTrueTypeFonts="1" saveSubsetFonts="1">
   <p:sldMasterIdLst>
     <p:sldMasterId id="2147483648" r:id="rId1"/>
   </p:sldMasterIdLst>
   <p:sldIdLst>
-    <p:sldId id="256" r:id="rId6"/>
-    <p:sldId id="257" r:id="rId7"/>
-    <p:sldId id="258" r:id="rId8"/>
-    <p:sldId id="259" r:id="rId9"/>
-    <p:sldId id="260" r:id="rId10"/>
-    <p:sldId id="261" r:id="rId11"/>
+    <p:sldId id="256" r:id="rId2"/>
+    <p:sldId id="257" r:id="rId3"/>
+    <p:sldId id="258" r:id="rId4"/>
+    <p:sldId id="259" r:id="rId5"/>
+    <p:sldId id="261" r:id="rId6"/>
   </p:sldIdLst>
   <p:sldSz cx="18288000" cy="10287000"/>
   <p:notesSz cx="6858000" cy="9144000"/>
   <p:embeddedFontLst>
     <p:embeddedFont>
-      <p:font typeface="RoxboroughCF" charset="1" panose="00000500000000000000"/>
-      <p:regular r:id="rId12"/>
+      <p:font typeface="Poppins" panose="00000500000000000000" pitchFamily="2" charset="0"/>
+      <p:regular r:id="rId7"/>
     </p:embeddedFont>
     <p:embeddedFont>
-      <p:font typeface="Poppins" charset="1" panose="00000500000000000000"/>
-      <p:regular r:id="rId13"/>
+      <p:font typeface="RoxboroughCF" panose="020B0604020202020204" charset="0"/>
+      <p:regular r:id="rId8"/>
     </p:embeddedFont>
     <p:embeddedFont>
-      <p:font typeface="Zen Dots" charset="1" panose="00000000000000000000"/>
-      <p:regular r:id="rId14"/>
+      <p:font typeface="Zen Dots" panose="020B0604020202020204" charset="0"/>
+      <p:regular r:id="rId9"/>
     </p:embeddedFont>
   </p:embeddedFontLst>
   <p:defaultTextStyle>
@@ -123,6 +122,22 @@
       </a:defRPr>
     </a:lvl9pPr>
   </p:defaultTextStyle>
+  <p:extLst>
+    <p:ext uri="{EFAFB233-063F-42B5-8137-9DF3F51BA10A}">
+      <p15:sldGuideLst xmlns:p15="http://schemas.microsoft.com/office/powerpoint/2012/main">
+        <p15:guide id="1" orient="horz" pos="2160">
+          <p15:clr>
+            <a:srgbClr val="A4A3A4"/>
+          </p15:clr>
+        </p15:guide>
+        <p15:guide id="2" pos="2880">
+          <p15:clr>
+            <a:srgbClr val="A4A3A4"/>
+          </p15:clr>
+        </p15:guide>
+      </p15:sldGuideLst>
+    </p:ext>
+  </p:extLst>
 </p:presentation>
 </file>
 
@@ -164,10 +179,9 @@
           <a:lstStyle/>
           <a:p>
             <a:r>
-              <a:rPr lang="en-US" smtClean="0"/>
+              <a:rPr lang="en-US"/>
               <a:t>Click to edit Master title style</a:t>
             </a:r>
-            <a:endParaRPr lang="en-US"/>
           </a:p>
         </p:txBody>
       </p:sp>
@@ -283,10 +297,9 @@
           </a:lstStyle>
           <a:p>
             <a:r>
-              <a:rPr lang="en-US" smtClean="0"/>
+              <a:rPr lang="en-US"/>
               <a:t>Click to edit Master subtitle style</a:t>
             </a:r>
-            <a:endParaRPr lang="en-US"/>
           </a:p>
         </p:txBody>
       </p:sp>
@@ -308,7 +321,7 @@
             <a:fld id="{1D8BD707-D9CF-40AE-B4C6-C98DA3205C09}" type="datetimeFigureOut">
               <a:rPr lang="en-US" smtClean="0"/>
               <a:pPr/>
-              <a:t>8/1/2011</a:t>
+              <a:t>5/4/2025</a:t>
             </a:fld>
             <a:endParaRPr lang="en-US"/>
           </a:p>
@@ -351,7 +364,7 @@
             <a:fld id="{B6F15528-21DE-4FAA-801E-634DDDAF4B2B}" type="slidenum">
               <a:rPr lang="en-US" smtClean="0"/>
               <a:pPr/>
-              <a:t>‹#›</a:t>
+              <a:t>‹nº›</a:t>
             </a:fld>
             <a:endParaRPr lang="en-US"/>
           </a:p>
@@ -398,10 +411,9 @@
           <a:lstStyle/>
           <a:p>
             <a:r>
-              <a:rPr lang="en-US" smtClean="0"/>
+              <a:rPr lang="en-US"/>
               <a:t>Click to edit Master title style</a:t>
             </a:r>
-            <a:endParaRPr lang="en-US"/>
           </a:p>
         </p:txBody>
       </p:sp>
@@ -422,38 +434,37 @@
           <a:p>
             <a:pPr lvl="0"/>
             <a:r>
-              <a:rPr lang="en-US" smtClean="0"/>
+              <a:rPr lang="en-US"/>
               <a:t>Click to edit Master text styles</a:t>
             </a:r>
           </a:p>
           <a:p>
             <a:pPr lvl="1"/>
             <a:r>
-              <a:rPr lang="en-US" smtClean="0"/>
+              <a:rPr lang="en-US"/>
               <a:t>Second level</a:t>
             </a:r>
           </a:p>
           <a:p>
             <a:pPr lvl="2"/>
             <a:r>
-              <a:rPr lang="en-US" smtClean="0"/>
+              <a:rPr lang="en-US"/>
               <a:t>Third level</a:t>
             </a:r>
           </a:p>
           <a:p>
             <a:pPr lvl="3"/>
             <a:r>
-              <a:rPr lang="en-US" smtClean="0"/>
+              <a:rPr lang="en-US"/>
               <a:t>Fourth level</a:t>
             </a:r>
           </a:p>
           <a:p>
             <a:pPr lvl="4"/>
             <a:r>
-              <a:rPr lang="en-US" smtClean="0"/>
+              <a:rPr lang="en-US"/>
               <a:t>Fifth level</a:t>
             </a:r>
-            <a:endParaRPr lang="en-US"/>
           </a:p>
         </p:txBody>
       </p:sp>
@@ -475,7 +486,7 @@
             <a:fld id="{1D8BD707-D9CF-40AE-B4C6-C98DA3205C09}" type="datetimeFigureOut">
               <a:rPr lang="en-US" smtClean="0"/>
               <a:pPr/>
-              <a:t>8/1/2011</a:t>
+              <a:t>5/4/2025</a:t>
             </a:fld>
             <a:endParaRPr lang="en-US"/>
           </a:p>
@@ -518,7 +529,7 @@
             <a:fld id="{B6F15528-21DE-4FAA-801E-634DDDAF4B2B}" type="slidenum">
               <a:rPr lang="en-US" smtClean="0"/>
               <a:pPr/>
-              <a:t>‹#›</a:t>
+              <a:t>‹nº›</a:t>
             </a:fld>
             <a:endParaRPr lang="en-US"/>
           </a:p>
@@ -570,10 +581,9 @@
           <a:lstStyle/>
           <a:p>
             <a:r>
-              <a:rPr lang="en-US" smtClean="0"/>
+              <a:rPr lang="en-US"/>
               <a:t>Click to edit Master title style</a:t>
             </a:r>
-            <a:endParaRPr lang="en-US"/>
           </a:p>
         </p:txBody>
       </p:sp>
@@ -599,38 +609,37 @@
           <a:p>
             <a:pPr lvl="0"/>
             <a:r>
-              <a:rPr lang="en-US" smtClean="0"/>
+              <a:rPr lang="en-US"/>
               <a:t>Click to edit Master text styles</a:t>
             </a:r>
           </a:p>
           <a:p>
             <a:pPr lvl="1"/>
             <a:r>
-              <a:rPr lang="en-US" smtClean="0"/>
+              <a:rPr lang="en-US"/>
               <a:t>Second level</a:t>
             </a:r>
           </a:p>
           <a:p>
             <a:pPr lvl="2"/>
             <a:r>
-              <a:rPr lang="en-US" smtClean="0"/>
+              <a:rPr lang="en-US"/>
               <a:t>Third level</a:t>
             </a:r>
           </a:p>
           <a:p>
             <a:pPr lvl="3"/>
             <a:r>
-              <a:rPr lang="en-US" smtClean="0"/>
+              <a:rPr lang="en-US"/>
               <a:t>Fourth level</a:t>
             </a:r>
           </a:p>
           <a:p>
             <a:pPr lvl="4"/>
             <a:r>
-              <a:rPr lang="en-US" smtClean="0"/>
+              <a:rPr lang="en-US"/>
               <a:t>Fifth level</a:t>
             </a:r>
-            <a:endParaRPr lang="en-US"/>
           </a:p>
         </p:txBody>
       </p:sp>
@@ -652,7 +661,7 @@
             <a:fld id="{1D8BD707-D9CF-40AE-B4C6-C98DA3205C09}" type="datetimeFigureOut">
               <a:rPr lang="en-US" smtClean="0"/>
               <a:pPr/>
-              <a:t>8/1/2011</a:t>
+              <a:t>5/4/2025</a:t>
             </a:fld>
             <a:endParaRPr lang="en-US"/>
           </a:p>
@@ -695,7 +704,7 @@
             <a:fld id="{B6F15528-21DE-4FAA-801E-634DDDAF4B2B}" type="slidenum">
               <a:rPr lang="en-US" smtClean="0"/>
               <a:pPr/>
-              <a:t>‹#›</a:t>
+              <a:t>‹nº›</a:t>
             </a:fld>
             <a:endParaRPr lang="en-US"/>
           </a:p>
@@ -742,10 +751,9 @@
           <a:lstStyle/>
           <a:p>
             <a:r>
-              <a:rPr lang="en-US" smtClean="0"/>
+              <a:rPr lang="en-US"/>
               <a:t>Click to edit Master title style</a:t>
             </a:r>
-            <a:endParaRPr lang="en-US"/>
           </a:p>
         </p:txBody>
       </p:sp>
@@ -766,38 +774,37 @@
           <a:p>
             <a:pPr lvl="0"/>
             <a:r>
-              <a:rPr lang="en-US" smtClean="0"/>
+              <a:rPr lang="en-US"/>
               <a:t>Click to edit Master text styles</a:t>
             </a:r>
           </a:p>
           <a:p>
             <a:pPr lvl="1"/>
             <a:r>
-              <a:rPr lang="en-US" smtClean="0"/>
+              <a:rPr lang="en-US"/>
               <a:t>Second level</a:t>
             </a:r>
           </a:p>
           <a:p>
             <a:pPr lvl="2"/>
             <a:r>
-              <a:rPr lang="en-US" smtClean="0"/>
+              <a:rPr lang="en-US"/>
               <a:t>Third level</a:t>
             </a:r>
           </a:p>
           <a:p>
             <a:pPr lvl="3"/>
             <a:r>
-              <a:rPr lang="en-US" smtClean="0"/>
+              <a:rPr lang="en-US"/>
               <a:t>Fourth level</a:t>
             </a:r>
           </a:p>
           <a:p>
             <a:pPr lvl="4"/>
             <a:r>
-              <a:rPr lang="en-US" smtClean="0"/>
+              <a:rPr lang="en-US"/>
               <a:t>Fifth level</a:t>
             </a:r>
-            <a:endParaRPr lang="en-US"/>
           </a:p>
         </p:txBody>
       </p:sp>
@@ -819,7 +826,7 @@
             <a:fld id="{1D8BD707-D9CF-40AE-B4C6-C98DA3205C09}" type="datetimeFigureOut">
               <a:rPr lang="en-US" smtClean="0"/>
               <a:pPr/>
-              <a:t>8/1/2011</a:t>
+              <a:t>5/4/2025</a:t>
             </a:fld>
             <a:endParaRPr lang="en-US"/>
           </a:p>
@@ -862,7 +869,7 @@
             <a:fld id="{B6F15528-21DE-4FAA-801E-634DDDAF4B2B}" type="slidenum">
               <a:rPr lang="en-US" smtClean="0"/>
               <a:pPr/>
-              <a:t>‹#›</a:t>
+              <a:t>‹nº›</a:t>
             </a:fld>
             <a:endParaRPr lang="en-US"/>
           </a:p>
@@ -918,10 +925,9 @@
           </a:lstStyle>
           <a:p>
             <a:r>
-              <a:rPr lang="en-US" smtClean="0"/>
+              <a:rPr lang="en-US"/>
               <a:t>Click to edit Master title style</a:t>
             </a:r>
-            <a:endParaRPr lang="en-US"/>
           </a:p>
         </p:txBody>
       </p:sp>
@@ -1038,7 +1044,7 @@
           <a:p>
             <a:pPr lvl="0"/>
             <a:r>
-              <a:rPr lang="en-US" smtClean="0"/>
+              <a:rPr lang="en-US"/>
               <a:t>Click to edit Master text styles</a:t>
             </a:r>
           </a:p>
@@ -1062,7 +1068,7 @@
             <a:fld id="{1D8BD707-D9CF-40AE-B4C6-C98DA3205C09}" type="datetimeFigureOut">
               <a:rPr lang="en-US" smtClean="0"/>
               <a:pPr/>
-              <a:t>8/1/2011</a:t>
+              <a:t>5/4/2025</a:t>
             </a:fld>
             <a:endParaRPr lang="en-US"/>
           </a:p>
@@ -1105,7 +1111,7 @@
             <a:fld id="{B6F15528-21DE-4FAA-801E-634DDDAF4B2B}" type="slidenum">
               <a:rPr lang="en-US" smtClean="0"/>
               <a:pPr/>
-              <a:t>‹#›</a:t>
+              <a:t>‹nº›</a:t>
             </a:fld>
             <a:endParaRPr lang="en-US"/>
           </a:p>
@@ -1152,10 +1158,9 @@
           <a:lstStyle/>
           <a:p>
             <a:r>
-              <a:rPr lang="en-US" smtClean="0"/>
+              <a:rPr lang="en-US"/>
               <a:t>Click to edit Master title style</a:t>
             </a:r>
-            <a:endParaRPr lang="en-US"/>
           </a:p>
         </p:txBody>
       </p:sp>
@@ -1209,38 +1214,37 @@
           <a:p>
             <a:pPr lvl="0"/>
             <a:r>
-              <a:rPr lang="en-US" smtClean="0"/>
+              <a:rPr lang="en-US"/>
               <a:t>Click to edit Master text styles</a:t>
             </a:r>
           </a:p>
           <a:p>
             <a:pPr lvl="1"/>
             <a:r>
-              <a:rPr lang="en-US" smtClean="0"/>
+              <a:rPr lang="en-US"/>
               <a:t>Second level</a:t>
             </a:r>
           </a:p>
           <a:p>
             <a:pPr lvl="2"/>
             <a:r>
-              <a:rPr lang="en-US" smtClean="0"/>
+              <a:rPr lang="en-US"/>
               <a:t>Third level</a:t>
             </a:r>
           </a:p>
           <a:p>
             <a:pPr lvl="3"/>
             <a:r>
-              <a:rPr lang="en-US" smtClean="0"/>
+              <a:rPr lang="en-US"/>
               <a:t>Fourth level</a:t>
             </a:r>
           </a:p>
           <a:p>
             <a:pPr lvl="4"/>
             <a:r>
-              <a:rPr lang="en-US" smtClean="0"/>
+              <a:rPr lang="en-US"/>
               <a:t>Fifth level</a:t>
             </a:r>
-            <a:endParaRPr lang="en-US"/>
           </a:p>
         </p:txBody>
       </p:sp>
@@ -1294,38 +1298,37 @@
           <a:p>
             <a:pPr lvl="0"/>
             <a:r>
-              <a:rPr lang="en-US" smtClean="0"/>
+              <a:rPr lang="en-US"/>
               <a:t>Click to edit Master text styles</a:t>
             </a:r>
           </a:p>
           <a:p>
             <a:pPr lvl="1"/>
             <a:r>
-              <a:rPr lang="en-US" smtClean="0"/>
+              <a:rPr lang="en-US"/>
               <a:t>Second level</a:t>
             </a:r>
           </a:p>
           <a:p>
             <a:pPr lvl="2"/>
             <a:r>
-              <a:rPr lang="en-US" smtClean="0"/>
+              <a:rPr lang="en-US"/>
               <a:t>Third level</a:t>
             </a:r>
           </a:p>
           <a:p>
             <a:pPr lvl="3"/>
             <a:r>
-              <a:rPr lang="en-US" smtClean="0"/>
+              <a:rPr lang="en-US"/>
               <a:t>Fourth level</a:t>
             </a:r>
           </a:p>
           <a:p>
             <a:pPr lvl="4"/>
             <a:r>
-              <a:rPr lang="en-US" smtClean="0"/>
+              <a:rPr lang="en-US"/>
               <a:t>Fifth level</a:t>
             </a:r>
-            <a:endParaRPr lang="en-US"/>
           </a:p>
         </p:txBody>
       </p:sp>
@@ -1347,7 +1350,7 @@
             <a:fld id="{1D8BD707-D9CF-40AE-B4C6-C98DA3205C09}" type="datetimeFigureOut">
               <a:rPr lang="en-US" smtClean="0"/>
               <a:pPr/>
-              <a:t>8/1/2011</a:t>
+              <a:t>5/4/2025</a:t>
             </a:fld>
             <a:endParaRPr lang="en-US"/>
           </a:p>
@@ -1390,7 +1393,7 @@
             <a:fld id="{B6F15528-21DE-4FAA-801E-634DDDAF4B2B}" type="slidenum">
               <a:rPr lang="en-US" smtClean="0"/>
               <a:pPr/>
-              <a:t>‹#›</a:t>
+              <a:t>‹nº›</a:t>
             </a:fld>
             <a:endParaRPr lang="en-US"/>
           </a:p>
@@ -1441,10 +1444,9 @@
           </a:lstStyle>
           <a:p>
             <a:r>
-              <a:rPr lang="en-US" smtClean="0"/>
+              <a:rPr lang="en-US"/>
               <a:t>Click to edit Master title style</a:t>
             </a:r>
-            <a:endParaRPr lang="en-US"/>
           </a:p>
         </p:txBody>
       </p:sp>
@@ -1507,7 +1509,7 @@
           <a:p>
             <a:pPr lvl="0"/>
             <a:r>
-              <a:rPr lang="en-US" smtClean="0"/>
+              <a:rPr lang="en-US"/>
               <a:t>Click to edit Master text styles</a:t>
             </a:r>
           </a:p>
@@ -1563,38 +1565,37 @@
           <a:p>
             <a:pPr lvl="0"/>
             <a:r>
-              <a:rPr lang="en-US" smtClean="0"/>
+              <a:rPr lang="en-US"/>
               <a:t>Click to edit Master text styles</a:t>
             </a:r>
           </a:p>
           <a:p>
             <a:pPr lvl="1"/>
             <a:r>
-              <a:rPr lang="en-US" smtClean="0"/>
+              <a:rPr lang="en-US"/>
               <a:t>Second level</a:t>
             </a:r>
           </a:p>
           <a:p>
             <a:pPr lvl="2"/>
             <a:r>
-              <a:rPr lang="en-US" smtClean="0"/>
+              <a:rPr lang="en-US"/>
               <a:t>Third level</a:t>
             </a:r>
           </a:p>
           <a:p>
             <a:pPr lvl="3"/>
             <a:r>
-              <a:rPr lang="en-US" smtClean="0"/>
+              <a:rPr lang="en-US"/>
               <a:t>Fourth level</a:t>
             </a:r>
           </a:p>
           <a:p>
             <a:pPr lvl="4"/>
             <a:r>
-              <a:rPr lang="en-US" smtClean="0"/>
+              <a:rPr lang="en-US"/>
               <a:t>Fifth level</a:t>
             </a:r>
-            <a:endParaRPr lang="en-US"/>
           </a:p>
         </p:txBody>
       </p:sp>
@@ -1657,7 +1658,7 @@
           <a:p>
             <a:pPr lvl="0"/>
             <a:r>
-              <a:rPr lang="en-US" smtClean="0"/>
+              <a:rPr lang="en-US"/>
               <a:t>Click to edit Master text styles</a:t>
             </a:r>
           </a:p>
@@ -1713,38 +1714,37 @@
           <a:p>
             <a:pPr lvl="0"/>
             <a:r>
-              <a:rPr lang="en-US" smtClean="0"/>
+              <a:rPr lang="en-US"/>
               <a:t>Click to edit Master text styles</a:t>
             </a:r>
           </a:p>
           <a:p>
             <a:pPr lvl="1"/>
             <a:r>
-              <a:rPr lang="en-US" smtClean="0"/>
+              <a:rPr lang="en-US"/>
               <a:t>Second level</a:t>
             </a:r>
           </a:p>
           <a:p>
             <a:pPr lvl="2"/>
             <a:r>
-              <a:rPr lang="en-US" smtClean="0"/>
+              <a:rPr lang="en-US"/>
               <a:t>Third level</a:t>
             </a:r>
           </a:p>
           <a:p>
             <a:pPr lvl="3"/>
             <a:r>
-              <a:rPr lang="en-US" smtClean="0"/>
+              <a:rPr lang="en-US"/>
               <a:t>Fourth level</a:t>
             </a:r>
           </a:p>
           <a:p>
             <a:pPr lvl="4"/>
             <a:r>
-              <a:rPr lang="en-US" smtClean="0"/>
+              <a:rPr lang="en-US"/>
               <a:t>Fifth level</a:t>
             </a:r>
-            <a:endParaRPr lang="en-US"/>
           </a:p>
         </p:txBody>
       </p:sp>
@@ -1766,7 +1766,7 @@
             <a:fld id="{1D8BD707-D9CF-40AE-B4C6-C98DA3205C09}" type="datetimeFigureOut">
               <a:rPr lang="en-US" smtClean="0"/>
               <a:pPr/>
-              <a:t>8/1/2011</a:t>
+              <a:t>5/4/2025</a:t>
             </a:fld>
             <a:endParaRPr lang="en-US"/>
           </a:p>
@@ -1809,7 +1809,7 @@
             <a:fld id="{B6F15528-21DE-4FAA-801E-634DDDAF4B2B}" type="slidenum">
               <a:rPr lang="en-US" smtClean="0"/>
               <a:pPr/>
-              <a:t>‹#›</a:t>
+              <a:t>‹nº›</a:t>
             </a:fld>
             <a:endParaRPr lang="en-US"/>
           </a:p>
@@ -1856,10 +1856,9 @@
           <a:lstStyle/>
           <a:p>
             <a:r>
-              <a:rPr lang="en-US" smtClean="0"/>
+              <a:rPr lang="en-US"/>
               <a:t>Click to edit Master title style</a:t>
             </a:r>
-            <a:endParaRPr lang="en-US"/>
           </a:p>
         </p:txBody>
       </p:sp>
@@ -1881,7 +1880,7 @@
             <a:fld id="{1D8BD707-D9CF-40AE-B4C6-C98DA3205C09}" type="datetimeFigureOut">
               <a:rPr lang="en-US" smtClean="0"/>
               <a:pPr/>
-              <a:t>8/1/2011</a:t>
+              <a:t>5/4/2025</a:t>
             </a:fld>
             <a:endParaRPr lang="en-US"/>
           </a:p>
@@ -1924,7 +1923,7 @@
             <a:fld id="{B6F15528-21DE-4FAA-801E-634DDDAF4B2B}" type="slidenum">
               <a:rPr lang="en-US" smtClean="0"/>
               <a:pPr/>
-              <a:t>‹#›</a:t>
+              <a:t>‹nº›</a:t>
             </a:fld>
             <a:endParaRPr lang="en-US"/>
           </a:p>
@@ -1973,7 +1972,7 @@
             <a:fld id="{1D8BD707-D9CF-40AE-B4C6-C98DA3205C09}" type="datetimeFigureOut">
               <a:rPr lang="en-US" smtClean="0"/>
               <a:pPr/>
-              <a:t>8/1/2011</a:t>
+              <a:t>5/4/2025</a:t>
             </a:fld>
             <a:endParaRPr lang="en-US"/>
           </a:p>
@@ -2016,7 +2015,7 @@
             <a:fld id="{B6F15528-21DE-4FAA-801E-634DDDAF4B2B}" type="slidenum">
               <a:rPr lang="en-US" smtClean="0"/>
               <a:pPr/>
-              <a:t>‹#›</a:t>
+              <a:t>‹nº›</a:t>
             </a:fld>
             <a:endParaRPr lang="en-US"/>
           </a:p>
@@ -2072,10 +2071,9 @@
           </a:lstStyle>
           <a:p>
             <a:r>
-              <a:rPr lang="en-US" smtClean="0"/>
+              <a:rPr lang="en-US"/>
               <a:t>Click to edit Master title style</a:t>
             </a:r>
-            <a:endParaRPr lang="en-US"/>
           </a:p>
         </p:txBody>
       </p:sp>
@@ -2129,38 +2127,37 @@
           <a:p>
             <a:pPr lvl="0"/>
             <a:r>
-              <a:rPr lang="en-US" smtClean="0"/>
+              <a:rPr lang="en-US"/>
               <a:t>Click to edit Master text styles</a:t>
             </a:r>
           </a:p>
           <a:p>
             <a:pPr lvl="1"/>
             <a:r>
-              <a:rPr lang="en-US" smtClean="0"/>
+              <a:rPr lang="en-US"/>
               <a:t>Second level</a:t>
             </a:r>
           </a:p>
           <a:p>
             <a:pPr lvl="2"/>
             <a:r>
-              <a:rPr lang="en-US" smtClean="0"/>
+              <a:rPr lang="en-US"/>
               <a:t>Third level</a:t>
             </a:r>
           </a:p>
           <a:p>
             <a:pPr lvl="3"/>
             <a:r>
-              <a:rPr lang="en-US" smtClean="0"/>
+              <a:rPr lang="en-US"/>
               <a:t>Fourth level</a:t>
             </a:r>
           </a:p>
           <a:p>
             <a:pPr lvl="4"/>
             <a:r>
-              <a:rPr lang="en-US" smtClean="0"/>
+              <a:rPr lang="en-US"/>
               <a:t>Fifth level</a:t>
             </a:r>
-            <a:endParaRPr lang="en-US"/>
           </a:p>
         </p:txBody>
       </p:sp>
@@ -2223,7 +2220,7 @@
           <a:p>
             <a:pPr lvl="0"/>
             <a:r>
-              <a:rPr lang="en-US" smtClean="0"/>
+              <a:rPr lang="en-US"/>
               <a:t>Click to edit Master text styles</a:t>
             </a:r>
           </a:p>
@@ -2247,7 +2244,7 @@
             <a:fld id="{1D8BD707-D9CF-40AE-B4C6-C98DA3205C09}" type="datetimeFigureOut">
               <a:rPr lang="en-US" smtClean="0"/>
               <a:pPr/>
-              <a:t>8/1/2011</a:t>
+              <a:t>5/4/2025</a:t>
             </a:fld>
             <a:endParaRPr lang="en-US"/>
           </a:p>
@@ -2290,7 +2287,7 @@
             <a:fld id="{B6F15528-21DE-4FAA-801E-634DDDAF4B2B}" type="slidenum">
               <a:rPr lang="en-US" smtClean="0"/>
               <a:pPr/>
-              <a:t>‹#›</a:t>
+              <a:t>‹nº›</a:t>
             </a:fld>
             <a:endParaRPr lang="en-US"/>
           </a:p>
@@ -2346,10 +2343,9 @@
           </a:lstStyle>
           <a:p>
             <a:r>
-              <a:rPr lang="en-US" smtClean="0"/>
+              <a:rPr lang="en-US"/>
               <a:t>Click to edit Master title style</a:t>
             </a:r>
-            <a:endParaRPr lang="en-US"/>
           </a:p>
         </p:txBody>
       </p:sp>
@@ -2473,7 +2469,7 @@
           <a:p>
             <a:pPr lvl="0"/>
             <a:r>
-              <a:rPr lang="en-US" smtClean="0"/>
+              <a:rPr lang="en-US"/>
               <a:t>Click to edit Master text styles</a:t>
             </a:r>
           </a:p>
@@ -2497,7 +2493,7 @@
             <a:fld id="{1D8BD707-D9CF-40AE-B4C6-C98DA3205C09}" type="datetimeFigureOut">
               <a:rPr lang="en-US" smtClean="0"/>
               <a:pPr/>
-              <a:t>8/1/2011</a:t>
+              <a:t>5/4/2025</a:t>
             </a:fld>
             <a:endParaRPr lang="en-US"/>
           </a:p>
@@ -2540,7 +2536,7 @@
             <a:fld id="{B6F15528-21DE-4FAA-801E-634DDDAF4B2B}" type="slidenum">
               <a:rPr lang="en-US" smtClean="0"/>
               <a:pPr/>
-              <a:t>‹#›</a:t>
+              <a:t>‹nº›</a:t>
             </a:fld>
             <a:endParaRPr lang="en-US"/>
           </a:p>
@@ -2602,10 +2598,9 @@
           <a:lstStyle/>
           <a:p>
             <a:r>
-              <a:rPr lang="en-US" smtClean="0"/>
+              <a:rPr lang="en-US"/>
               <a:t>Click to edit Master title style</a:t>
             </a:r>
-            <a:endParaRPr lang="en-US"/>
           </a:p>
         </p:txBody>
       </p:sp>
@@ -2636,38 +2631,37 @@
           <a:p>
             <a:pPr lvl="0"/>
             <a:r>
-              <a:rPr lang="en-US" smtClean="0"/>
+              <a:rPr lang="en-US"/>
               <a:t>Click to edit Master text styles</a:t>
             </a:r>
           </a:p>
           <a:p>
             <a:pPr lvl="1"/>
             <a:r>
-              <a:rPr lang="en-US" smtClean="0"/>
+              <a:rPr lang="en-US"/>
               <a:t>Second level</a:t>
             </a:r>
           </a:p>
           <a:p>
             <a:pPr lvl="2"/>
             <a:r>
-              <a:rPr lang="en-US" smtClean="0"/>
+              <a:rPr lang="en-US"/>
               <a:t>Third level</a:t>
             </a:r>
           </a:p>
           <a:p>
             <a:pPr lvl="3"/>
             <a:r>
-              <a:rPr lang="en-US" smtClean="0"/>
+              <a:rPr lang="en-US"/>
               <a:t>Fourth level</a:t>
             </a:r>
           </a:p>
           <a:p>
             <a:pPr lvl="4"/>
             <a:r>
-              <a:rPr lang="en-US" smtClean="0"/>
+              <a:rPr lang="en-US"/>
               <a:t>Fifth level</a:t>
             </a:r>
-            <a:endParaRPr lang="en-US"/>
           </a:p>
         </p:txBody>
       </p:sp>
@@ -2707,7 +2701,7 @@
             <a:fld id="{1D8BD707-D9CF-40AE-B4C6-C98DA3205C09}" type="datetimeFigureOut">
               <a:rPr lang="en-US" smtClean="0"/>
               <a:pPr/>
-              <a:t>8/1/2011</a:t>
+              <a:t>5/4/2025</a:t>
             </a:fld>
             <a:endParaRPr lang="en-US"/>
           </a:p>
@@ -2786,7 +2780,7 @@
             <a:fld id="{B6F15528-21DE-4FAA-801E-634DDDAF4B2B}" type="slidenum">
               <a:rPr lang="en-US" smtClean="0"/>
               <a:pPr/>
-              <a:t>‹#›</a:t>
+              <a:t>‹nº›</a:t>
             </a:fld>
             <a:endParaRPr lang="en-US"/>
           </a:p>
@@ -3062,7 +3056,7 @@
 </file>
 
 <file path=ppt/slides/slide1.xml><?xml version="1.0" encoding="utf-8"?>
-<p:sld xmlns:p="http://schemas.openxmlformats.org/presentationml/2006/main" xmlns:a="http://schemas.openxmlformats.org/drawingml/2006/main" xmlns:r="http://schemas.openxmlformats.org/officeDocument/2006/relationships">
+<p:sld xmlns:a="http://schemas.openxmlformats.org/drawingml/2006/main" xmlns:r="http://schemas.openxmlformats.org/officeDocument/2006/relationships" xmlns:p="http://schemas.openxmlformats.org/presentationml/2006/main">
   <p:cSld>
     <p:spTree>
       <p:nvGrpSpPr>
@@ -3080,12 +3074,12 @@
       </p:grpSpPr>
       <p:sp>
         <p:nvSpPr>
-          <p:cNvPr name="Freeform 2" id="2"/>
+          <p:cNvPr id="2" name="Freeform 2"/>
           <p:cNvSpPr/>
           <p:nvPr/>
         </p:nvSpPr>
         <p:spPr>
-          <a:xfrm flipH="false" flipV="false" rot="0">
+          <a:xfrm>
             <a:off x="0" y="0"/>
             <a:ext cx="18288000" cy="10287000"/>
           </a:xfrm>
@@ -3094,9 +3088,9 @@
             <a:gdLst/>
             <a:ahLst/>
             <a:cxnLst/>
-            <a:rect r="r" b="b" t="t" l="l"/>
+            <a:rect l="l" t="t" r="r" b="b"/>
             <a:pathLst>
-              <a:path h="10287000" w="18288000">
+              <a:path w="18288000" h="10287000">
                 <a:moveTo>
                   <a:pt x="0" y="0"/>
                 </a:moveTo>
@@ -3119,19 +3113,26 @@
           <a:blipFill>
             <a:blip r:embed="rId2"/>
             <a:stretch>
-              <a:fillRect l="-14096" t="0" r="-14096" b="-51837"/>
+              <a:fillRect l="-14096" r="-14096" b="-51837"/>
             </a:stretch>
           </a:blipFill>
         </p:spPr>
+        <p:txBody>
+          <a:bodyPr/>
+          <a:lstStyle/>
+          <a:p>
+            <a:endParaRPr lang="pt-BR"/>
+          </a:p>
+        </p:txBody>
       </p:sp>
       <p:grpSp>
         <p:nvGrpSpPr>
-          <p:cNvPr name="Group 3" id="3"/>
+          <p:cNvPr id="3" name="Group 3"/>
           <p:cNvGrpSpPr/>
           <p:nvPr/>
         </p:nvGrpSpPr>
         <p:grpSpPr>
-          <a:xfrm rot="0">
+          <a:xfrm>
             <a:off x="0" y="0"/>
             <a:ext cx="18288000" cy="10287000"/>
             <a:chOff x="0" y="0"/>
@@ -3140,12 +3141,12 @@
         </p:grpSpPr>
         <p:sp>
           <p:nvSpPr>
-            <p:cNvPr name="Freeform 4" id="4"/>
+            <p:cNvPr id="4" name="Freeform 4"/>
             <p:cNvSpPr/>
             <p:nvPr/>
           </p:nvSpPr>
           <p:spPr>
-            <a:xfrm flipH="false" flipV="false" rot="0">
+            <a:xfrm>
               <a:off x="0" y="0"/>
               <a:ext cx="4816592" cy="2709333"/>
             </a:xfrm>
@@ -3154,9 +3155,9 @@
               <a:gdLst/>
               <a:ahLst/>
               <a:cxnLst/>
-              <a:rect r="r" b="b" t="t" l="l"/>
+              <a:rect l="l" t="t" r="r" b="b"/>
               <a:pathLst>
-                <a:path h="2709333" w="4816592">
+                <a:path w="4816592" h="2709333">
                   <a:moveTo>
                     <a:pt x="0" y="0"/>
                   </a:moveTo>
@@ -3179,11 +3180,18 @@
               </a:srgbClr>
             </a:solidFill>
           </p:spPr>
+          <p:txBody>
+            <a:bodyPr/>
+            <a:lstStyle/>
+            <a:p>
+              <a:endParaRPr lang="pt-BR"/>
+            </a:p>
+          </p:txBody>
         </p:sp>
         <p:sp>
           <p:nvSpPr>
-            <p:cNvPr name="TextBox 5" id="5"/>
-            <p:cNvSpPr txBox="true"/>
+            <p:cNvPr id="5" name="TextBox 5"/>
+            <p:cNvSpPr txBox="1"/>
             <p:nvPr/>
           </p:nvSpPr>
           <p:spPr>
@@ -3196,7 +3204,7 @@
             </a:prstGeom>
           </p:spPr>
           <p:txBody>
-            <a:bodyPr anchor="ctr" rtlCol="false" tIns="50800" lIns="50800" bIns="50800" rIns="50800"/>
+            <a:bodyPr lIns="50800" tIns="50800" rIns="50800" bIns="50800" rtlCol="0" anchor="ctr"/>
             <a:lstStyle/>
             <a:p>
               <a:pPr algn="ctr">
@@ -3207,18 +3215,19 @@
                   <a:spcPct val="0"/>
                 </a:spcBef>
               </a:pPr>
+              <a:endParaRPr/>
             </a:p>
           </p:txBody>
         </p:sp>
       </p:grpSp>
       <p:sp>
         <p:nvSpPr>
-          <p:cNvPr name="TextBox 6" id="6"/>
-          <p:cNvSpPr txBox="true"/>
+          <p:cNvPr id="6" name="TextBox 6"/>
+          <p:cNvSpPr txBox="1"/>
           <p:nvPr/>
         </p:nvSpPr>
         <p:spPr>
-          <a:xfrm rot="0">
+          <a:xfrm>
             <a:off x="1725697" y="4394960"/>
             <a:ext cx="15738651" cy="1198639"/>
           </a:xfrm>
@@ -3227,7 +3236,7 @@
           </a:prstGeom>
         </p:spPr>
         <p:txBody>
-          <a:bodyPr anchor="t" rtlCol="false" tIns="0" lIns="0" bIns="0" rIns="0">
+          <a:bodyPr lIns="0" tIns="0" rIns="0" bIns="0" rtlCol="0" anchor="t">
             <a:spAutoFit/>
           </a:bodyPr>
           <a:lstStyle/>
@@ -3254,7 +3263,7 @@
       </p:sp>
       <p:sp>
         <p:nvSpPr>
-          <p:cNvPr name="AutoShape 7" id="7"/>
+          <p:cNvPr id="7" name="AutoShape 7"/>
           <p:cNvSpPr/>
           <p:nvPr/>
         </p:nvSpPr>
@@ -3266,24 +3275,31 @@
           <a:prstGeom prst="line">
             <a:avLst/>
           </a:prstGeom>
-          <a:ln cap="flat" w="19050">
+          <a:ln w="19050" cap="flat">
             <a:solidFill>
               <a:srgbClr val="FFFFFF"/>
             </a:solidFill>
             <a:prstDash val="solid"/>
-            <a:headEnd type="none" len="sm" w="sm"/>
-            <a:tailEnd type="none" len="sm" w="sm"/>
+            <a:headEnd type="none" w="sm" len="sm"/>
+            <a:tailEnd type="none" w="sm" len="sm"/>
           </a:ln>
         </p:spPr>
-      </p:sp>
-      <p:sp>
-        <p:nvSpPr>
-          <p:cNvPr name="TextBox 8" id="8"/>
-          <p:cNvSpPr txBox="true"/>
+        <p:txBody>
+          <a:bodyPr/>
+          <a:lstStyle/>
+          <a:p>
+            <a:endParaRPr lang="pt-BR"/>
+          </a:p>
+        </p:txBody>
+      </p:sp>
+      <p:sp>
+        <p:nvSpPr>
+          <p:cNvPr id="8" name="TextBox 8"/>
+          <p:cNvSpPr txBox="1"/>
           <p:nvPr/>
         </p:nvSpPr>
         <p:spPr>
-          <a:xfrm rot="0">
+          <a:xfrm>
             <a:off x="8528202" y="9061735"/>
             <a:ext cx="1274721" cy="451551"/>
           </a:xfrm>
@@ -3292,7 +3308,7 @@
           </a:prstGeom>
         </p:spPr>
         <p:txBody>
-          <a:bodyPr anchor="t" rtlCol="false" tIns="0" lIns="0" bIns="0" rIns="0">
+          <a:bodyPr lIns="0" tIns="0" rIns="0" bIns="0" rtlCol="0" anchor="t">
             <a:spAutoFit/>
           </a:bodyPr>
           <a:lstStyle/>
@@ -3319,7 +3335,7 @@
       </p:sp>
       <p:sp>
         <p:nvSpPr>
-          <p:cNvPr name="AutoShape 9" id="9"/>
+          <p:cNvPr id="9" name="AutoShape 9"/>
           <p:cNvSpPr/>
           <p:nvPr/>
         </p:nvSpPr>
@@ -3331,24 +3347,31 @@
           <a:prstGeom prst="line">
             <a:avLst/>
           </a:prstGeom>
-          <a:ln cap="flat" w="19050">
+          <a:ln w="19050" cap="flat">
             <a:solidFill>
               <a:srgbClr val="FFFFFF"/>
             </a:solidFill>
             <a:prstDash val="solid"/>
-            <a:headEnd type="none" len="sm" w="sm"/>
-            <a:tailEnd type="none" len="sm" w="sm"/>
+            <a:headEnd type="none" w="sm" len="sm"/>
+            <a:tailEnd type="none" w="sm" len="sm"/>
           </a:ln>
         </p:spPr>
-      </p:sp>
-      <p:sp>
-        <p:nvSpPr>
-          <p:cNvPr name="TextBox 10" id="10"/>
-          <p:cNvSpPr txBox="true"/>
+        <p:txBody>
+          <a:bodyPr/>
+          <a:lstStyle/>
+          <a:p>
+            <a:endParaRPr lang="pt-BR"/>
+          </a:p>
+        </p:txBody>
+      </p:sp>
+      <p:sp>
+        <p:nvSpPr>
+          <p:cNvPr id="10" name="TextBox 10"/>
+          <p:cNvSpPr txBox="1"/>
           <p:nvPr/>
         </p:nvSpPr>
         <p:spPr>
-          <a:xfrm rot="0">
+          <a:xfrm>
             <a:off x="1520632" y="6117473"/>
             <a:ext cx="15738651" cy="730817"/>
           </a:xfrm>
@@ -3357,7 +3380,7 @@
           </a:prstGeom>
         </p:spPr>
         <p:txBody>
-          <a:bodyPr anchor="t" rtlCol="false" tIns="0" lIns="0" bIns="0" rIns="0">
+          <a:bodyPr lIns="0" tIns="0" rIns="0" bIns="0" rtlCol="0" anchor="t">
             <a:spAutoFit/>
           </a:bodyPr>
           <a:lstStyle/>
@@ -3368,7 +3391,7 @@
               </a:lnSpc>
             </a:pPr>
             <a:r>
-              <a:rPr lang="en-US" sz="5757">
+              <a:rPr lang="en-US" sz="5757" dirty="0">
                 <a:solidFill>
                   <a:srgbClr val="FFFFFF"/>
                 </a:solidFill>
@@ -3391,11 +3414,11 @@
 </file>
 
 <file path=ppt/slides/slide2.xml><?xml version="1.0" encoding="utf-8"?>
-<p:sld xmlns:p="http://schemas.openxmlformats.org/presentationml/2006/main" xmlns:a="http://schemas.openxmlformats.org/drawingml/2006/main" xmlns:r="http://schemas.openxmlformats.org/officeDocument/2006/relationships">
+<p:sld xmlns:a="http://schemas.openxmlformats.org/drawingml/2006/main" xmlns:r="http://schemas.openxmlformats.org/officeDocument/2006/relationships" xmlns:p="http://schemas.openxmlformats.org/presentationml/2006/main">
   <p:cSld>
     <p:bg>
       <p:bgPr>
-        <a:gradFill rotWithShape="true">
+        <a:gradFill rotWithShape="1">
           <a:gsLst>
             <a:gs pos="0">
               <a:srgbClr val="020070">
@@ -3409,10 +3432,11 @@
             </a:gs>
           </a:gsLst>
           <a:path path="circle">
-            <a:fillToRect l="0" r="100000" t="0" b="100000"/>
+            <a:fillToRect r="100000" b="100000"/>
           </a:path>
-          <a:tileRect r="0" l="-100000" b="0" t="-100000"/>
+          <a:tileRect l="-100000" t="-100000"/>
         </a:gradFill>
+        <a:effectLst/>
       </p:bgPr>
     </p:bg>
     <p:spTree>
@@ -3431,7 +3455,7 @@
       </p:grpSpPr>
       <p:sp>
         <p:nvSpPr>
-          <p:cNvPr name="AutoShape 2" id="2"/>
+          <p:cNvPr id="2" name="AutoShape 2"/>
           <p:cNvSpPr/>
           <p:nvPr/>
         </p:nvSpPr>
@@ -3443,90 +3467,51 @@
           <a:prstGeom prst="line">
             <a:avLst/>
           </a:prstGeom>
-          <a:ln cap="flat" w="19050">
+          <a:ln w="19050" cap="flat">
             <a:solidFill>
               <a:srgbClr val="FFFFFF"/>
             </a:solidFill>
             <a:prstDash val="solid"/>
-            <a:headEnd type="none" len="sm" w="sm"/>
-            <a:tailEnd type="none" len="sm" w="sm"/>
+            <a:headEnd type="none" w="sm" len="sm"/>
+            <a:tailEnd type="none" w="sm" len="sm"/>
           </a:ln>
         </p:spPr>
-      </p:sp>
-      <p:sp>
-        <p:nvSpPr>
-          <p:cNvPr name="Freeform 3" id="3"/>
-          <p:cNvSpPr/>
+        <p:txBody>
+          <a:bodyPr/>
+          <a:lstStyle/>
+          <a:p>
+            <a:endParaRPr lang="pt-BR"/>
+          </a:p>
+        </p:txBody>
+      </p:sp>
+      <p:sp>
+        <p:nvSpPr>
+          <p:cNvPr id="4" name="TextBox 4"/>
+          <p:cNvSpPr txBox="1"/>
           <p:nvPr/>
         </p:nvSpPr>
         <p:spPr>
-          <a:xfrm flipH="false" flipV="false" rot="0">
-            <a:off x="592012" y="3597270"/>
-            <a:ext cx="17103976" cy="3092460"/>
-          </a:xfrm>
-          <a:custGeom>
-            <a:avLst/>
-            <a:gdLst/>
-            <a:ahLst/>
-            <a:cxnLst/>
-            <a:rect r="r" b="b" t="t" l="l"/>
-            <a:pathLst>
-              <a:path h="3092460" w="17103976">
-                <a:moveTo>
-                  <a:pt x="0" y="0"/>
-                </a:moveTo>
-                <a:lnTo>
-                  <a:pt x="17103976" y="0"/>
-                </a:lnTo>
-                <a:lnTo>
-                  <a:pt x="17103976" y="3092460"/>
-                </a:lnTo>
-                <a:lnTo>
-                  <a:pt x="0" y="3092460"/>
-                </a:lnTo>
-                <a:lnTo>
-                  <a:pt x="0" y="0"/>
-                </a:lnTo>
-                <a:close/>
-              </a:path>
-            </a:pathLst>
-          </a:custGeom>
-          <a:blipFill>
-            <a:blip r:embed="rId2"/>
-            <a:stretch>
-              <a:fillRect l="0" t="0" r="0" b="0"/>
-            </a:stretch>
-          </a:blipFill>
-        </p:spPr>
-      </p:sp>
-      <p:sp>
-        <p:nvSpPr>
-          <p:cNvPr name="TextBox 4" id="4"/>
-          <p:cNvSpPr txBox="true"/>
-          <p:nvPr/>
-        </p:nvSpPr>
-        <p:spPr>
-          <a:xfrm rot="0">
-            <a:off x="592012" y="1419225"/>
-            <a:ext cx="8931848" cy="680897"/>
+          <a:xfrm>
+            <a:off x="152383" y="359147"/>
+            <a:ext cx="17983200" cy="605550"/>
           </a:xfrm>
           <a:prstGeom prst="rect">
             <a:avLst/>
           </a:prstGeom>
         </p:spPr>
         <p:txBody>
-          <a:bodyPr anchor="t" rtlCol="false" tIns="0" lIns="0" bIns="0" rIns="0">
+          <a:bodyPr wrap="square" lIns="0" tIns="0" rIns="0" bIns="0" rtlCol="0" anchor="t">
             <a:spAutoFit/>
           </a:bodyPr>
           <a:lstStyle/>
           <a:p>
-            <a:pPr algn="just">
+            <a:pPr algn="ctr">
               <a:lnSpc>
                 <a:spcPts val="4989"/>
               </a:lnSpc>
             </a:pPr>
             <a:r>
-              <a:rPr lang="en-US" sz="5365">
+              <a:rPr lang="en-US" sz="3600" dirty="0">
                 <a:solidFill>
                   <a:srgbClr val="00FFFF"/>
                 </a:solidFill>
@@ -3535,7 +3520,91 @@
                 <a:cs typeface="Zen Dots"/>
                 <a:sym typeface="Zen Dots"/>
               </a:rPr>
-              <a:t>FILMES E SÉRIES</a:t>
+              <a:t>TEMA: FILMES E SÉRIES</a:t>
+            </a:r>
+          </a:p>
+        </p:txBody>
+      </p:sp>
+      <p:pic>
+        <p:nvPicPr>
+          <p:cNvPr id="6" name="Imagem 5" descr="Texto branco sobre fundo preto&#10;&#10;O conteúdo gerado por IA pode estar incorreto.">
+            <a:extLst>
+              <a:ext uri="{FF2B5EF4-FFF2-40B4-BE49-F238E27FC236}">
+                <a16:creationId xmlns:a16="http://schemas.microsoft.com/office/drawing/2014/main" id="{24C414F9-72AF-3C09-15B0-9D7CCD308416}"/>
+              </a:ext>
+            </a:extLst>
+          </p:cNvPr>
+          <p:cNvPicPr>
+            <a:picLocks noChangeAspect="1"/>
+          </p:cNvPicPr>
+          <p:nvPr/>
+        </p:nvPicPr>
+        <p:blipFill>
+          <a:blip r:embed="rId2">
+            <a:extLst>
+              <a:ext uri="{28A0092B-C50C-407E-A947-70E740481C1C}">
+                <a14:useLocalDpi xmlns:a14="http://schemas.microsoft.com/office/drawing/2010/main" val="0"/>
+              </a:ext>
+            </a:extLst>
+          </a:blip>
+          <a:stretch>
+            <a:fillRect/>
+          </a:stretch>
+        </p:blipFill>
+        <p:spPr>
+          <a:xfrm>
+            <a:off x="2743200" y="1714500"/>
+            <a:ext cx="11933176" cy="7253286"/>
+          </a:xfrm>
+          <a:prstGeom prst="rect">
+            <a:avLst/>
+          </a:prstGeom>
+        </p:spPr>
+      </p:pic>
+      <p:sp>
+        <p:nvSpPr>
+          <p:cNvPr id="12" name="CaixaDeTexto 11">
+            <a:extLst>
+              <a:ext uri="{FF2B5EF4-FFF2-40B4-BE49-F238E27FC236}">
+                <a16:creationId xmlns:a16="http://schemas.microsoft.com/office/drawing/2014/main" id="{D8015C97-748E-1884-41BF-F9F8F7494A9E}"/>
+              </a:ext>
+            </a:extLst>
+          </p:cNvPr>
+          <p:cNvSpPr txBox="1"/>
+          <p:nvPr/>
+        </p:nvSpPr>
+        <p:spPr>
+          <a:xfrm>
+            <a:off x="-1066800" y="825744"/>
+            <a:ext cx="9144000" cy="736355"/>
+          </a:xfrm>
+          <a:prstGeom prst="rect">
+            <a:avLst/>
+          </a:prstGeom>
+          <a:noFill/>
+        </p:spPr>
+        <p:txBody>
+          <a:bodyPr wrap="square">
+            <a:spAutoFit/>
+          </a:bodyPr>
+          <a:lstStyle/>
+          <a:p>
+            <a:pPr algn="ctr">
+              <a:lnSpc>
+                <a:spcPts val="5354"/>
+              </a:lnSpc>
+            </a:pPr>
+            <a:r>
+              <a:rPr lang="en-US" sz="3200" dirty="0">
+                <a:solidFill>
+                  <a:srgbClr val="FFFFFF"/>
+                </a:solidFill>
+                <a:latin typeface="Zen Dots" panose="020B0604020202020204" charset="0"/>
+                <a:ea typeface="RoxboroughCF"/>
+                <a:cs typeface="RoxboroughCF"/>
+                <a:sym typeface="RoxboroughCF"/>
+              </a:rPr>
+              <a:t>MODELO CONCEITUAL</a:t>
             </a:r>
           </a:p>
         </p:txBody>
@@ -3549,11 +3618,11 @@
 </file>
 
 <file path=ppt/slides/slide3.xml><?xml version="1.0" encoding="utf-8"?>
-<p:sld xmlns:p="http://schemas.openxmlformats.org/presentationml/2006/main" xmlns:a="http://schemas.openxmlformats.org/drawingml/2006/main" xmlns:r="http://schemas.openxmlformats.org/officeDocument/2006/relationships">
+<p:sld xmlns:a="http://schemas.openxmlformats.org/drawingml/2006/main" xmlns:r="http://schemas.openxmlformats.org/officeDocument/2006/relationships" xmlns:p="http://schemas.openxmlformats.org/presentationml/2006/main">
   <p:cSld>
     <p:bg>
       <p:bgPr>
-        <a:gradFill rotWithShape="true">
+        <a:gradFill rotWithShape="1">
           <a:gsLst>
             <a:gs pos="0">
               <a:srgbClr val="000640">
@@ -3568,6 +3637,7 @@
           </a:gsLst>
           <a:lin ang="0"/>
         </a:gradFill>
+        <a:effectLst/>
       </p:bgPr>
     </p:bg>
     <p:spTree>
@@ -3586,12 +3656,12 @@
       </p:grpSpPr>
       <p:sp>
         <p:nvSpPr>
-          <p:cNvPr name="Freeform 2" id="2"/>
+          <p:cNvPr id="2" name="Freeform 2"/>
           <p:cNvSpPr/>
           <p:nvPr/>
         </p:nvSpPr>
         <p:spPr>
-          <a:xfrm flipH="false" flipV="false" rot="8831280">
+          <a:xfrm rot="8831280">
             <a:off x="-2149749" y="2740944"/>
             <a:ext cx="4001809" cy="4001809"/>
           </a:xfrm>
@@ -3600,9 +3670,9 @@
             <a:gdLst/>
             <a:ahLst/>
             <a:cxnLst/>
-            <a:rect r="r" b="b" t="t" l="l"/>
+            <a:rect l="l" t="t" r="r" b="b"/>
             <a:pathLst>
-              <a:path h="4001809" w="4001809">
+              <a:path w="4001809" h="4001809">
                 <a:moveTo>
                   <a:pt x="0" y="0"/>
                 </a:moveTo>
@@ -3631,14 +3701,21 @@
               </a:extLst>
             </a:blip>
             <a:stretch>
-              <a:fillRect l="0" t="0" r="0" b="0"/>
+              <a:fillRect/>
             </a:stretch>
           </a:blipFill>
         </p:spPr>
-      </p:sp>
-      <p:sp>
-        <p:nvSpPr>
-          <p:cNvPr name="AutoShape 3" id="3"/>
+        <p:txBody>
+          <a:bodyPr/>
+          <a:lstStyle/>
+          <a:p>
+            <a:endParaRPr lang="pt-BR"/>
+          </a:p>
+        </p:txBody>
+      </p:sp>
+      <p:sp>
+        <p:nvSpPr>
+          <p:cNvPr id="3" name="AutoShape 3"/>
           <p:cNvSpPr/>
           <p:nvPr/>
         </p:nvSpPr>
@@ -3650,24 +3727,31 @@
           <a:prstGeom prst="line">
             <a:avLst/>
           </a:prstGeom>
-          <a:ln cap="flat" w="19050">
+          <a:ln w="19050" cap="flat">
             <a:solidFill>
               <a:srgbClr val="FFFFFF"/>
             </a:solidFill>
             <a:prstDash val="solid"/>
-            <a:headEnd type="none" len="sm" w="sm"/>
-            <a:tailEnd type="none" len="sm" w="sm"/>
+            <a:headEnd type="none" w="sm" len="sm"/>
+            <a:tailEnd type="none" w="sm" len="sm"/>
           </a:ln>
         </p:spPr>
-      </p:sp>
-      <p:sp>
-        <p:nvSpPr>
-          <p:cNvPr name="Freeform 4" id="4"/>
+        <p:txBody>
+          <a:bodyPr/>
+          <a:lstStyle/>
+          <a:p>
+            <a:endParaRPr lang="pt-BR"/>
+          </a:p>
+        </p:txBody>
+      </p:sp>
+      <p:sp>
+        <p:nvSpPr>
+          <p:cNvPr id="4" name="Freeform 4"/>
           <p:cNvSpPr/>
           <p:nvPr/>
         </p:nvSpPr>
         <p:spPr>
-          <a:xfrm flipH="false" flipV="false" rot="-1886788">
+          <a:xfrm rot="-1886788">
             <a:off x="16349986" y="3775189"/>
             <a:ext cx="4464076" cy="4464076"/>
           </a:xfrm>
@@ -3676,9 +3760,9 @@
             <a:gdLst/>
             <a:ahLst/>
             <a:cxnLst/>
-            <a:rect r="r" b="b" t="t" l="l"/>
+            <a:rect l="l" t="t" r="r" b="b"/>
             <a:pathLst>
-              <a:path h="4464076" w="4464076">
+              <a:path w="4464076" h="4464076">
                 <a:moveTo>
                   <a:pt x="0" y="0"/>
                 </a:moveTo>
@@ -3707,98 +3791,113 @@
               </a:extLst>
             </a:blip>
             <a:stretch>
-              <a:fillRect l="0" t="0" r="0" b="0"/>
+              <a:fillRect/>
             </a:stretch>
           </a:blipFill>
         </p:spPr>
-      </p:sp>
-      <p:sp>
-        <p:nvSpPr>
-          <p:cNvPr name="Freeform 5" id="5"/>
-          <p:cNvSpPr/>
+        <p:txBody>
+          <a:bodyPr/>
+          <a:lstStyle/>
+          <a:p>
+            <a:endParaRPr lang="pt-BR"/>
+          </a:p>
+        </p:txBody>
+      </p:sp>
+      <p:sp>
+        <p:nvSpPr>
+          <p:cNvPr id="7" name="CaixaDeTexto 6">
+            <a:extLst>
+              <a:ext uri="{FF2B5EF4-FFF2-40B4-BE49-F238E27FC236}">
+                <a16:creationId xmlns:a16="http://schemas.microsoft.com/office/drawing/2014/main" id="{28151359-6E72-C84B-C671-CD99DCFA027E}"/>
+              </a:ext>
+            </a:extLst>
+          </p:cNvPr>
+          <p:cNvSpPr txBox="1"/>
           <p:nvPr/>
         </p:nvSpPr>
         <p:spPr>
-          <a:xfrm flipH="false" flipV="false" rot="0">
-            <a:off x="469553" y="3354395"/>
-            <a:ext cx="17348893" cy="3578209"/>
-          </a:xfrm>
-          <a:custGeom>
-            <a:avLst/>
-            <a:gdLst/>
-            <a:ahLst/>
-            <a:cxnLst/>
-            <a:rect r="r" b="b" t="t" l="l"/>
-            <a:pathLst>
-              <a:path h="3578209" w="17348893">
-                <a:moveTo>
-                  <a:pt x="0" y="0"/>
-                </a:moveTo>
-                <a:lnTo>
-                  <a:pt x="17348894" y="0"/>
-                </a:lnTo>
-                <a:lnTo>
-                  <a:pt x="17348894" y="3578210"/>
-                </a:lnTo>
-                <a:lnTo>
-                  <a:pt x="0" y="3578210"/>
-                </a:lnTo>
-                <a:lnTo>
-                  <a:pt x="0" y="0"/>
-                </a:lnTo>
-                <a:close/>
-              </a:path>
-            </a:pathLst>
-          </a:custGeom>
-          <a:blipFill>
-            <a:blip r:embed="rId4"/>
-            <a:stretch>
-              <a:fillRect l="0" t="0" r="0" b="0"/>
-            </a:stretch>
-          </a:blipFill>
-        </p:spPr>
-      </p:sp>
-      <p:sp>
-        <p:nvSpPr>
-          <p:cNvPr name="TextBox 6" id="6"/>
-          <p:cNvSpPr txBox="true"/>
-          <p:nvPr/>
-        </p:nvSpPr>
-        <p:spPr>
-          <a:xfrm rot="0">
-            <a:off x="592012" y="1419225"/>
-            <a:ext cx="8931848" cy="680897"/>
+          <a:xfrm>
+            <a:off x="-1066800" y="773047"/>
+            <a:ext cx="9144000" cy="736355"/>
           </a:xfrm>
           <a:prstGeom prst="rect">
             <a:avLst/>
           </a:prstGeom>
+          <a:noFill/>
         </p:spPr>
         <p:txBody>
-          <a:bodyPr anchor="t" rtlCol="false" tIns="0" lIns="0" bIns="0" rIns="0">
+          <a:bodyPr wrap="square">
             <a:spAutoFit/>
           </a:bodyPr>
           <a:lstStyle/>
           <a:p>
-            <a:pPr algn="just">
+            <a:pPr algn="ctr">
               <a:lnSpc>
-                <a:spcPts val="4989"/>
+                <a:spcPts val="5354"/>
               </a:lnSpc>
             </a:pPr>
             <a:r>
-              <a:rPr lang="en-US" sz="5365">
+              <a:rPr lang="en-US" sz="3200" dirty="0">
                 <a:solidFill>
-                  <a:srgbClr val="00FFFF"/>
+                  <a:srgbClr val="FFFFFF"/>
                 </a:solidFill>
-                <a:latin typeface="Zen Dots"/>
-                <a:ea typeface="Zen Dots"/>
-                <a:cs typeface="Zen Dots"/>
-                <a:sym typeface="Zen Dots"/>
+                <a:latin typeface="Zen Dots" panose="020B0604020202020204" charset="0"/>
+                <a:ea typeface="RoxboroughCF"/>
+                <a:cs typeface="RoxboroughCF"/>
+                <a:sym typeface="RoxboroughCF"/>
               </a:rPr>
-              <a:t>FILMES E SÉRIES</a:t>
-            </a:r>
-          </a:p>
-        </p:txBody>
-      </p:sp>
+              <a:t>MODELO LÓGICO</a:t>
+            </a:r>
+          </a:p>
+        </p:txBody>
+      </p:sp>
+      <p:pic>
+        <p:nvPicPr>
+          <p:cNvPr id="8" name="Picture 2" descr="https://documents.lucid.app/documents/168bbff2-8317-49c0-9358-0a4b23adb586/pages/HWEp-vi-RSFO?a=2092&amp;x=-60&amp;y=250&amp;w=2169&amp;h=953&amp;store=1&amp;accept=image%2F*&amp;auth=LCA%20cf10f1ab64513bd23615026f0c8b30c59efa50120ba1bc8a3e8330f55a12609c-ts%3D1745969196">
+            <a:extLst>
+              <a:ext uri="{FF2B5EF4-FFF2-40B4-BE49-F238E27FC236}">
+                <a16:creationId xmlns:a16="http://schemas.microsoft.com/office/drawing/2014/main" id="{3B3B0728-D184-61FA-751A-82D1DCADB732}"/>
+              </a:ext>
+            </a:extLst>
+          </p:cNvPr>
+          <p:cNvPicPr>
+            <a:picLocks noChangeAspect="1" noChangeArrowheads="1"/>
+          </p:cNvPicPr>
+          <p:nvPr/>
+        </p:nvPicPr>
+        <p:blipFill>
+          <a:blip r:embed="rId4">
+            <a:extLst>
+              <a:ext uri="{28A0092B-C50C-407E-A947-70E740481C1C}">
+                <a14:useLocalDpi xmlns:a14="http://schemas.microsoft.com/office/drawing/2010/main" val="0"/>
+              </a:ext>
+            </a:extLst>
+          </a:blip>
+          <a:srcRect/>
+          <a:stretch>
+            <a:fillRect/>
+          </a:stretch>
+        </p:blipFill>
+        <p:spPr bwMode="auto">
+          <a:xfrm>
+            <a:off x="1152595" y="1975923"/>
+            <a:ext cx="15982775" cy="7023777"/>
+          </a:xfrm>
+          <a:prstGeom prst="rect">
+            <a:avLst/>
+          </a:prstGeom>
+          <a:noFill/>
+          <a:extLst>
+            <a:ext uri="{909E8E84-426E-40DD-AFC4-6F175D3DCCD1}">
+              <a14:hiddenFill xmlns:a14="http://schemas.microsoft.com/office/drawing/2010/main">
+                <a:solidFill>
+                  <a:srgbClr val="FFFFFF"/>
+                </a:solidFill>
+              </a14:hiddenFill>
+            </a:ext>
+          </a:extLst>
+        </p:spPr>
+      </p:pic>
     </p:spTree>
   </p:cSld>
   <p:clrMapOvr>
@@ -3808,11 +3907,11 @@
 </file>
 
 <file path=ppt/slides/slide4.xml><?xml version="1.0" encoding="utf-8"?>
-<p:sld xmlns:p="http://schemas.openxmlformats.org/presentationml/2006/main" xmlns:a="http://schemas.openxmlformats.org/drawingml/2006/main" xmlns:r="http://schemas.openxmlformats.org/officeDocument/2006/relationships">
+<p:sld xmlns:a="http://schemas.openxmlformats.org/drawingml/2006/main" xmlns:r="http://schemas.openxmlformats.org/officeDocument/2006/relationships" xmlns:p="http://schemas.openxmlformats.org/presentationml/2006/main">
   <p:cSld>
     <p:bg>
       <p:bgPr>
-        <a:gradFill rotWithShape="true">
+        <a:gradFill rotWithShape="1">
           <a:gsLst>
             <a:gs pos="0">
               <a:srgbClr val="020070">
@@ -3826,10 +3925,11 @@
             </a:gs>
           </a:gsLst>
           <a:path path="circle">
-            <a:fillToRect l="0" r="100000" t="0" b="100000"/>
+            <a:fillToRect r="100000" b="100000"/>
           </a:path>
-          <a:tileRect r="0" l="-100000" b="0" t="-100000"/>
+          <a:tileRect l="-100000" t="-100000"/>
         </a:gradFill>
+        <a:effectLst/>
       </p:bgPr>
     </p:bg>
     <p:spTree>
@@ -3848,7 +3948,7 @@
       </p:grpSpPr>
       <p:sp>
         <p:nvSpPr>
-          <p:cNvPr name="AutoShape 2" id="2"/>
+          <p:cNvPr id="2" name="AutoShape 2"/>
           <p:cNvSpPr/>
           <p:nvPr/>
         </p:nvSpPr>
@@ -3860,103 +3960,100 @@
           <a:prstGeom prst="line">
             <a:avLst/>
           </a:prstGeom>
-          <a:ln cap="flat" w="19050">
+          <a:ln w="19050" cap="flat">
             <a:solidFill>
               <a:srgbClr val="FFFFFF"/>
             </a:solidFill>
             <a:prstDash val="solid"/>
-            <a:headEnd type="none" len="sm" w="sm"/>
-            <a:tailEnd type="none" len="sm" w="sm"/>
+            <a:headEnd type="none" w="sm" len="sm"/>
+            <a:tailEnd type="none" w="sm" len="sm"/>
           </a:ln>
         </p:spPr>
-      </p:sp>
-      <p:sp>
-        <p:nvSpPr>
-          <p:cNvPr name="Freeform 3" id="3"/>
-          <p:cNvSpPr/>
+        <p:txBody>
+          <a:bodyPr/>
+          <a:lstStyle/>
+          <a:p>
+            <a:endParaRPr lang="pt-BR"/>
+          </a:p>
+        </p:txBody>
+      </p:sp>
+      <p:sp>
+        <p:nvSpPr>
+          <p:cNvPr id="5" name="CaixaDeTexto 4">
+            <a:extLst>
+              <a:ext uri="{FF2B5EF4-FFF2-40B4-BE49-F238E27FC236}">
+                <a16:creationId xmlns:a16="http://schemas.microsoft.com/office/drawing/2014/main" id="{C368548B-E7C5-B804-2AA3-9587DD6001EB}"/>
+              </a:ext>
+            </a:extLst>
+          </p:cNvPr>
+          <p:cNvSpPr txBox="1"/>
           <p:nvPr/>
         </p:nvSpPr>
         <p:spPr>
-          <a:xfrm flipH="false" flipV="false" rot="0">
-            <a:off x="1784884" y="2362323"/>
-            <a:ext cx="13939187" cy="6638538"/>
+          <a:xfrm>
+            <a:off x="-2286000" y="528933"/>
+            <a:ext cx="18059400" cy="722505"/>
           </a:xfrm>
-          <a:custGeom>
+          <a:prstGeom prst="rect">
             <a:avLst/>
-            <a:gdLst/>
-            <a:ahLst/>
-            <a:cxnLst/>
-            <a:rect r="r" b="b" t="t" l="l"/>
-            <a:pathLst>
-              <a:path h="6638538" w="13939187">
-                <a:moveTo>
-                  <a:pt x="0" y="0"/>
-                </a:moveTo>
-                <a:lnTo>
-                  <a:pt x="13939187" y="0"/>
-                </a:lnTo>
-                <a:lnTo>
-                  <a:pt x="13939187" y="6638538"/>
-                </a:lnTo>
-                <a:lnTo>
-                  <a:pt x="0" y="6638538"/>
-                </a:lnTo>
-                <a:lnTo>
-                  <a:pt x="0" y="0"/>
-                </a:lnTo>
-                <a:close/>
-              </a:path>
-            </a:pathLst>
-          </a:custGeom>
-          <a:blipFill>
-            <a:blip r:embed="rId2"/>
-            <a:stretch>
-              <a:fillRect l="0" t="0" r="0" b="0"/>
-            </a:stretch>
-          </a:blipFill>
+          </a:prstGeom>
+          <a:noFill/>
         </p:spPr>
-      </p:sp>
-      <p:sp>
-        <p:nvSpPr>
-          <p:cNvPr name="TextBox 4" id="4"/>
-          <p:cNvSpPr txBox="true"/>
+        <p:txBody>
+          <a:bodyPr wrap="square">
+            <a:spAutoFit/>
+          </a:bodyPr>
+          <a:lstStyle/>
+          <a:p>
+            <a:pPr algn="ctr">
+              <a:lnSpc>
+                <a:spcPts val="5354"/>
+              </a:lnSpc>
+            </a:pPr>
+            <a:r>
+              <a:rPr lang="en-US" sz="3200" dirty="0">
+                <a:solidFill>
+                  <a:srgbClr val="FFFFFF"/>
+                </a:solidFill>
+                <a:latin typeface="Zen Dots" panose="020B0604020202020204" charset="0"/>
+                <a:ea typeface="RoxboroughCF"/>
+                <a:cs typeface="RoxboroughCF"/>
+                <a:sym typeface="RoxboroughCF"/>
+              </a:rPr>
+              <a:t>MODELO ENTIDADE-RELACIONAMENTO (MER)</a:t>
+            </a:r>
+          </a:p>
+        </p:txBody>
+      </p:sp>
+      <p:pic>
+        <p:nvPicPr>
+          <p:cNvPr id="7" name="Imagem 6">
+            <a:extLst>
+              <a:ext uri="{FF2B5EF4-FFF2-40B4-BE49-F238E27FC236}">
+                <a16:creationId xmlns:a16="http://schemas.microsoft.com/office/drawing/2014/main" id="{E3E48B14-12E9-D5E1-856E-A6410F549AE4}"/>
+              </a:ext>
+            </a:extLst>
+          </p:cNvPr>
+          <p:cNvPicPr>
+            <a:picLocks noChangeAspect="1"/>
+          </p:cNvPicPr>
           <p:nvPr/>
-        </p:nvSpPr>
+        </p:nvPicPr>
+        <p:blipFill>
+          <a:blip r:embed="rId2"/>
+          <a:srcRect l="7833" t="24740" r="23645" b="20574"/>
+          <a:stretch/>
+        </p:blipFill>
         <p:spPr>
-          <a:xfrm rot="0">
-            <a:off x="592012" y="1419225"/>
-            <a:ext cx="8931848" cy="680897"/>
+          <a:xfrm>
+            <a:off x="1028683" y="1630056"/>
+            <a:ext cx="16188147" cy="7263912"/>
           </a:xfrm>
           <a:prstGeom prst="rect">
             <a:avLst/>
           </a:prstGeom>
         </p:spPr>
-        <p:txBody>
-          <a:bodyPr anchor="t" rtlCol="false" tIns="0" lIns="0" bIns="0" rIns="0">
-            <a:spAutoFit/>
-          </a:bodyPr>
-          <a:lstStyle/>
-          <a:p>
-            <a:pPr algn="just">
-              <a:lnSpc>
-                <a:spcPts val="4989"/>
-              </a:lnSpc>
-            </a:pPr>
-            <a:r>
-              <a:rPr lang="en-US" sz="5365">
-                <a:solidFill>
-                  <a:srgbClr val="00FFFF"/>
-                </a:solidFill>
-                <a:latin typeface="Zen Dots"/>
-                <a:ea typeface="Zen Dots"/>
-                <a:cs typeface="Zen Dots"/>
-                <a:sym typeface="Zen Dots"/>
-              </a:rPr>
-              <a:t>FILMES E SÉRIES</a:t>
-            </a:r>
-          </a:p>
-        </p:txBody>
-      </p:sp>
+      </p:pic>
     </p:spTree>
   </p:cSld>
   <p:clrMapOvr>
@@ -3966,276 +4063,11 @@
 </file>
 
 <file path=ppt/slides/slide5.xml><?xml version="1.0" encoding="utf-8"?>
-<p:sld xmlns:p="http://schemas.openxmlformats.org/presentationml/2006/main" xmlns:a="http://schemas.openxmlformats.org/drawingml/2006/main" xmlns:r="http://schemas.openxmlformats.org/officeDocument/2006/relationships">
-  <p:cSld>
-    <p:spTree>
-      <p:nvGrpSpPr>
-        <p:cNvPr id="1" name=""/>
-        <p:cNvGrpSpPr/>
-        <p:nvPr/>
-      </p:nvGrpSpPr>
-      <p:grpSpPr>
-        <a:xfrm>
-          <a:off x="0" y="0"/>
-          <a:ext cx="0" cy="0"/>
-          <a:chOff x="0" y="0"/>
-          <a:chExt cx="0" cy="0"/>
-        </a:xfrm>
-      </p:grpSpPr>
-      <p:sp>
-        <p:nvSpPr>
-          <p:cNvPr name="Freeform 2" id="2"/>
-          <p:cNvSpPr/>
-          <p:nvPr/>
-        </p:nvSpPr>
-        <p:spPr>
-          <a:xfrm flipH="false" flipV="false" rot="0">
-            <a:off x="0" y="0"/>
-            <a:ext cx="18288000" cy="10287000"/>
-          </a:xfrm>
-          <a:custGeom>
-            <a:avLst/>
-            <a:gdLst/>
-            <a:ahLst/>
-            <a:cxnLst/>
-            <a:rect r="r" b="b" t="t" l="l"/>
-            <a:pathLst>
-              <a:path h="10287000" w="18288000">
-                <a:moveTo>
-                  <a:pt x="0" y="0"/>
-                </a:moveTo>
-                <a:lnTo>
-                  <a:pt x="18288000" y="0"/>
-                </a:lnTo>
-                <a:lnTo>
-                  <a:pt x="18288000" y="10287000"/>
-                </a:lnTo>
-                <a:lnTo>
-                  <a:pt x="0" y="10287000"/>
-                </a:lnTo>
-                <a:lnTo>
-                  <a:pt x="0" y="0"/>
-                </a:lnTo>
-                <a:close/>
-              </a:path>
-            </a:pathLst>
-          </a:custGeom>
-          <a:blipFill>
-            <a:blip r:embed="rId2"/>
-            <a:stretch>
-              <a:fillRect l="0" t="0" r="0" b="0"/>
-            </a:stretch>
-          </a:blipFill>
-        </p:spPr>
-      </p:sp>
-      <p:grpSp>
-        <p:nvGrpSpPr>
-          <p:cNvPr name="Group 3" id="3"/>
-          <p:cNvGrpSpPr/>
-          <p:nvPr/>
-        </p:nvGrpSpPr>
-        <p:grpSpPr>
-          <a:xfrm rot="0">
-            <a:off x="0" y="0"/>
-            <a:ext cx="18288000" cy="10287000"/>
-            <a:chOff x="0" y="0"/>
-            <a:chExt cx="4816593" cy="2709333"/>
-          </a:xfrm>
-        </p:grpSpPr>
-        <p:sp>
-          <p:nvSpPr>
-            <p:cNvPr name="Freeform 4" id="4"/>
-            <p:cNvSpPr/>
-            <p:nvPr/>
-          </p:nvSpPr>
-          <p:spPr>
-            <a:xfrm flipH="false" flipV="false" rot="0">
-              <a:off x="0" y="0"/>
-              <a:ext cx="4816592" cy="2709333"/>
-            </a:xfrm>
-            <a:custGeom>
-              <a:avLst/>
-              <a:gdLst/>
-              <a:ahLst/>
-              <a:cxnLst/>
-              <a:rect r="r" b="b" t="t" l="l"/>
-              <a:pathLst>
-                <a:path h="2709333" w="4816592">
-                  <a:moveTo>
-                    <a:pt x="0" y="0"/>
-                  </a:moveTo>
-                  <a:lnTo>
-                    <a:pt x="4816592" y="0"/>
-                  </a:lnTo>
-                  <a:lnTo>
-                    <a:pt x="4816592" y="2709333"/>
-                  </a:lnTo>
-                  <a:lnTo>
-                    <a:pt x="0" y="2709333"/>
-                  </a:lnTo>
-                  <a:close/>
-                </a:path>
-              </a:pathLst>
-            </a:custGeom>
-            <a:gradFill rotWithShape="true">
-              <a:gsLst>
-                <a:gs pos="0">
-                  <a:srgbClr val="020070">
-                    <a:alpha val="67000"/>
-                  </a:srgbClr>
-                </a:gs>
-                <a:gs pos="100000">
-                  <a:srgbClr val="000640">
-                    <a:alpha val="67000"/>
-                  </a:srgbClr>
-                </a:gs>
-              </a:gsLst>
-              <a:path path="circle">
-                <a:fillToRect l="0" r="100000" t="0" b="100000"/>
-              </a:path>
-              <a:tileRect r="0" l="-100000" b="0" t="-100000"/>
-            </a:gradFill>
-          </p:spPr>
-        </p:sp>
-        <p:sp>
-          <p:nvSpPr>
-            <p:cNvPr name="TextBox 5" id="5"/>
-            <p:cNvSpPr txBox="true"/>
-            <p:nvPr/>
-          </p:nvSpPr>
-          <p:spPr>
-            <a:xfrm>
-              <a:off x="0" y="-38100"/>
-              <a:ext cx="4816593" cy="2747433"/>
-            </a:xfrm>
-            <a:prstGeom prst="rect">
-              <a:avLst/>
-            </a:prstGeom>
-          </p:spPr>
-          <p:txBody>
-            <a:bodyPr anchor="ctr" rtlCol="false" tIns="50800" lIns="50800" bIns="50800" rIns="50800"/>
-            <a:lstStyle/>
-            <a:p>
-              <a:pPr algn="ctr">
-                <a:lnSpc>
-                  <a:spcPts val="2659"/>
-                </a:lnSpc>
-              </a:pPr>
-            </a:p>
-            <a:p>
-              <a:pPr algn="ctr">
-                <a:lnSpc>
-                  <a:spcPts val="2659"/>
-                </a:lnSpc>
-                <a:spcBef>
-                  <a:spcPct val="0"/>
-                </a:spcBef>
-              </a:pPr>
-            </a:p>
-          </p:txBody>
-        </p:sp>
-      </p:grpSp>
-      <p:sp>
-        <p:nvSpPr>
-          <p:cNvPr name="Freeform 6" id="6"/>
-          <p:cNvSpPr/>
-          <p:nvPr/>
-        </p:nvSpPr>
-        <p:spPr>
-          <a:xfrm flipH="false" flipV="false" rot="0">
-            <a:off x="0" y="2405468"/>
-            <a:ext cx="18329511" cy="5025041"/>
-          </a:xfrm>
-          <a:custGeom>
-            <a:avLst/>
-            <a:gdLst/>
-            <a:ahLst/>
-            <a:cxnLst/>
-            <a:rect r="r" b="b" t="t" l="l"/>
-            <a:pathLst>
-              <a:path h="5025041" w="18329511">
-                <a:moveTo>
-                  <a:pt x="0" y="0"/>
-                </a:moveTo>
-                <a:lnTo>
-                  <a:pt x="18329511" y="0"/>
-                </a:lnTo>
-                <a:lnTo>
-                  <a:pt x="18329511" y="5025041"/>
-                </a:lnTo>
-                <a:lnTo>
-                  <a:pt x="0" y="5025041"/>
-                </a:lnTo>
-                <a:lnTo>
-                  <a:pt x="0" y="0"/>
-                </a:lnTo>
-                <a:close/>
-              </a:path>
-            </a:pathLst>
-          </a:custGeom>
-          <a:blipFill>
-            <a:blip r:embed="rId3"/>
-            <a:stretch>
-              <a:fillRect l="0" t="0" r="0" b="-765"/>
-            </a:stretch>
-          </a:blipFill>
-        </p:spPr>
-      </p:sp>
-      <p:sp>
-        <p:nvSpPr>
-          <p:cNvPr name="TextBox 7" id="7"/>
-          <p:cNvSpPr txBox="true"/>
-          <p:nvPr/>
-        </p:nvSpPr>
-        <p:spPr>
-          <a:xfrm rot="0">
-            <a:off x="4482082" y="1162050"/>
-            <a:ext cx="10905072" cy="680897"/>
-          </a:xfrm>
-          <a:prstGeom prst="rect">
-            <a:avLst/>
-          </a:prstGeom>
-        </p:spPr>
-        <p:txBody>
-          <a:bodyPr anchor="t" rtlCol="false" tIns="0" lIns="0" bIns="0" rIns="0">
-            <a:spAutoFit/>
-          </a:bodyPr>
-          <a:lstStyle/>
-          <a:p>
-            <a:pPr algn="just">
-              <a:lnSpc>
-                <a:spcPts val="4989"/>
-              </a:lnSpc>
-            </a:pPr>
-            <a:r>
-              <a:rPr lang="en-US" sz="5365">
-                <a:solidFill>
-                  <a:srgbClr val="00FFFF"/>
-                </a:solidFill>
-                <a:latin typeface="Zen Dots"/>
-                <a:ea typeface="Zen Dots"/>
-                <a:cs typeface="Zen Dots"/>
-                <a:sym typeface="Zen Dots"/>
-              </a:rPr>
-              <a:t>MODELO COMPLETO</a:t>
-            </a:r>
-          </a:p>
-        </p:txBody>
-      </p:sp>
-    </p:spTree>
-  </p:cSld>
-  <p:clrMapOvr>
-    <a:masterClrMapping/>
-  </p:clrMapOvr>
-</p:sld>
-</file>
-
-<file path=ppt/slides/slide6.xml><?xml version="1.0" encoding="utf-8"?>
-<p:sld xmlns:p="http://schemas.openxmlformats.org/presentationml/2006/main" xmlns:a="http://schemas.openxmlformats.org/drawingml/2006/main" xmlns:r="http://schemas.openxmlformats.org/officeDocument/2006/relationships">
+<p:sld xmlns:a="http://schemas.openxmlformats.org/drawingml/2006/main" xmlns:r="http://schemas.openxmlformats.org/officeDocument/2006/relationships" xmlns:p="http://schemas.openxmlformats.org/presentationml/2006/main">
   <p:cSld>
     <p:bg>
       <p:bgPr>
-        <a:gradFill rotWithShape="true">
+        <a:gradFill rotWithShape="1">
           <a:gsLst>
             <a:gs pos="0">
               <a:srgbClr val="020070">
@@ -4249,10 +4081,11 @@
             </a:gs>
           </a:gsLst>
           <a:path path="circle">
-            <a:fillToRect l="0" r="100000" t="0" b="100000"/>
+            <a:fillToRect r="100000" b="100000"/>
           </a:path>
-          <a:tileRect r="0" l="-100000" b="0" t="-100000"/>
+          <a:tileRect l="-100000" t="-100000"/>
         </a:gradFill>
+        <a:effectLst/>
       </p:bgPr>
     </p:bg>
     <p:spTree>
@@ -4271,12 +4104,12 @@
       </p:grpSpPr>
       <p:sp>
         <p:nvSpPr>
-          <p:cNvPr name="Freeform 2" id="2"/>
+          <p:cNvPr id="2" name="Freeform 2"/>
           <p:cNvSpPr/>
           <p:nvPr/>
         </p:nvSpPr>
         <p:spPr>
-          <a:xfrm flipH="false" flipV="false" rot="8182712">
+          <a:xfrm rot="8182712">
             <a:off x="-1710092" y="156469"/>
             <a:ext cx="10210559" cy="9690748"/>
           </a:xfrm>
@@ -4285,9 +4118,9 @@
             <a:gdLst/>
             <a:ahLst/>
             <a:cxnLst/>
-            <a:rect r="r" b="b" t="t" l="l"/>
+            <a:rect l="l" t="t" r="r" b="b"/>
             <a:pathLst>
-              <a:path h="9690748" w="10210559">
+              <a:path w="10210559" h="9690748">
                 <a:moveTo>
                   <a:pt x="0" y="0"/>
                 </a:moveTo>
@@ -4317,14 +4150,21 @@
               </a:extLst>
             </a:blip>
             <a:stretch>
-              <a:fillRect l="0" t="0" r="0" b="0"/>
+              <a:fillRect/>
             </a:stretch>
           </a:blipFill>
         </p:spPr>
-      </p:sp>
-      <p:sp>
-        <p:nvSpPr>
-          <p:cNvPr name="AutoShape 3" id="3"/>
+        <p:txBody>
+          <a:bodyPr/>
+          <a:lstStyle/>
+          <a:p>
+            <a:endParaRPr lang="pt-BR"/>
+          </a:p>
+        </p:txBody>
+      </p:sp>
+      <p:sp>
+        <p:nvSpPr>
+          <p:cNvPr id="3" name="AutoShape 3"/>
           <p:cNvSpPr/>
           <p:nvPr/>
         </p:nvSpPr>
@@ -4336,24 +4176,31 @@
           <a:prstGeom prst="line">
             <a:avLst/>
           </a:prstGeom>
-          <a:ln cap="flat" w="19050">
+          <a:ln w="19050" cap="flat">
             <a:solidFill>
               <a:srgbClr val="FFFFFF"/>
             </a:solidFill>
             <a:prstDash val="solid"/>
-            <a:headEnd type="none" len="sm" w="sm"/>
-            <a:tailEnd type="none" len="sm" w="sm"/>
+            <a:headEnd type="none" w="sm" len="sm"/>
+            <a:tailEnd type="none" w="sm" len="sm"/>
           </a:ln>
         </p:spPr>
-      </p:sp>
-      <p:sp>
-        <p:nvSpPr>
-          <p:cNvPr name="Freeform 4" id="4"/>
+        <p:txBody>
+          <a:bodyPr/>
+          <a:lstStyle/>
+          <a:p>
+            <a:endParaRPr lang="pt-BR"/>
+          </a:p>
+        </p:txBody>
+      </p:sp>
+      <p:sp>
+        <p:nvSpPr>
+          <p:cNvPr id="4" name="Freeform 4"/>
           <p:cNvSpPr/>
           <p:nvPr/>
         </p:nvSpPr>
         <p:spPr>
-          <a:xfrm flipH="false" flipV="false" rot="-10800000">
+          <a:xfrm rot="-10800000">
             <a:off x="-2600533" y="2084602"/>
             <a:ext cx="4001809" cy="4001809"/>
           </a:xfrm>
@@ -4362,9 +4209,9 @@
             <a:gdLst/>
             <a:ahLst/>
             <a:cxnLst/>
-            <a:rect r="r" b="b" t="t" l="l"/>
+            <a:rect l="l" t="t" r="r" b="b"/>
             <a:pathLst>
-              <a:path h="4001809" w="4001809">
+              <a:path w="4001809" h="4001809">
                 <a:moveTo>
                   <a:pt x="0" y="0"/>
                 </a:moveTo>
@@ -4393,19 +4240,26 @@
               </a:extLst>
             </a:blip>
             <a:stretch>
-              <a:fillRect l="0" t="0" r="0" b="0"/>
+              <a:fillRect/>
             </a:stretch>
           </a:blipFill>
         </p:spPr>
-      </p:sp>
-      <p:sp>
-        <p:nvSpPr>
-          <p:cNvPr name="TextBox 5" id="5"/>
-          <p:cNvSpPr txBox="true"/>
+        <p:txBody>
+          <a:bodyPr/>
+          <a:lstStyle/>
+          <a:p>
+            <a:endParaRPr lang="pt-BR"/>
+          </a:p>
+        </p:txBody>
+      </p:sp>
+      <p:sp>
+        <p:nvSpPr>
+          <p:cNvPr id="5" name="TextBox 5"/>
+          <p:cNvSpPr txBox="1"/>
           <p:nvPr/>
         </p:nvSpPr>
         <p:spPr>
-          <a:xfrm rot="0">
+          <a:xfrm>
             <a:off x="5071528" y="4596671"/>
             <a:ext cx="8144944" cy="934171"/>
           </a:xfrm>
@@ -4414,7 +4268,7 @@
           </a:prstGeom>
         </p:spPr>
         <p:txBody>
-          <a:bodyPr anchor="t" rtlCol="false" tIns="0" lIns="0" bIns="0" rIns="0">
+          <a:bodyPr lIns="0" tIns="0" rIns="0" bIns="0" rtlCol="0" anchor="t">
             <a:spAutoFit/>
           </a:bodyPr>
           <a:lstStyle/>
